--- a/jsmvc/docs/Frontend MVC(EricHua).pptx
+++ b/jsmvc/docs/Frontend MVC(EricHua).pptx
@@ -744,14 +744,6 @@
           <a:bodyPr/>
           <a:lstStyle/>
           <a:p>
-            <a:r>
-              <a:rPr lang="zh-CN" altLang="en-US" dirty="0" smtClean="0"/>
-              <a:t>查询增多</a:t>
-            </a:r>
-            <a:r>
-              <a:rPr lang="en-US" altLang="zh-CN" dirty="0" smtClean="0"/>
-              <a:t>…..</a:t>
-            </a:r>
             <a:endParaRPr lang="zh-CN" altLang="en-US" dirty="0"/>
           </a:p>
         </p:txBody>
@@ -773,7 +765,7 @@
           <a:p>
             <a:fld id="{01F2A70B-78F2-4DCF-B53B-C990D2FAFB8A}" type="slidenum">
               <a:rPr lang="en-US" altLang="zh-CN" smtClean="0"/>
-              <a:t>4</a:t>
+              <a:t>2</a:t>
             </a:fld>
             <a:endParaRPr lang="en-US" altLang="zh-CN"/>
           </a:p>
@@ -782,7 +774,7 @@
     </p:spTree>
     <p:extLst>
       <p:ext uri="{BB962C8B-B14F-4D97-AF65-F5344CB8AC3E}">
-        <p14:creationId xmlns:p14="http://schemas.microsoft.com/office/powerpoint/2010/main" val="1445178537"/>
+        <p14:creationId xmlns:p14="http://schemas.microsoft.com/office/powerpoint/2010/main" val="1956574812"/>
       </p:ext>
     </p:extLst>
   </p:cSld>
@@ -836,6 +828,14 @@
           <a:bodyPr/>
           <a:lstStyle/>
           <a:p>
+            <a:r>
+              <a:rPr lang="zh-CN" altLang="en-US" dirty="0" smtClean="0"/>
+              <a:t>查询增多</a:t>
+            </a:r>
+            <a:r>
+              <a:rPr lang="en-US" altLang="zh-CN" dirty="0" smtClean="0"/>
+              <a:t>…..</a:t>
+            </a:r>
             <a:endParaRPr lang="zh-CN" altLang="en-US" dirty="0"/>
           </a:p>
         </p:txBody>
@@ -857,7 +857,7 @@
           <a:p>
             <a:fld id="{01F2A70B-78F2-4DCF-B53B-C990D2FAFB8A}" type="slidenum">
               <a:rPr lang="en-US" altLang="zh-CN" smtClean="0"/>
-              <a:t>6</a:t>
+              <a:t>4</a:t>
             </a:fld>
             <a:endParaRPr lang="en-US" altLang="zh-CN"/>
           </a:p>
@@ -866,7 +866,7 @@
     </p:spTree>
     <p:extLst>
       <p:ext uri="{BB962C8B-B14F-4D97-AF65-F5344CB8AC3E}">
-        <p14:creationId xmlns:p14="http://schemas.microsoft.com/office/powerpoint/2010/main" val="1917304957"/>
+        <p14:creationId xmlns:p14="http://schemas.microsoft.com/office/powerpoint/2010/main" val="1445178537"/>
       </p:ext>
     </p:extLst>
   </p:cSld>
@@ -920,180 +920,6 @@
           <a:bodyPr/>
           <a:lstStyle/>
           <a:p>
-            <a:r>
-              <a:rPr lang="zh-CN" altLang="en-US" dirty="0" smtClean="0"/>
-              <a:t>这是端很有技术含量的代码</a:t>
-            </a:r>
-            <a:r>
-              <a:rPr lang="en-US" altLang="zh-CN" dirty="0" smtClean="0"/>
-              <a:t>, </a:t>
-            </a:r>
-            <a:r>
-              <a:rPr lang="zh-CN" altLang="en-US" dirty="0" smtClean="0"/>
-              <a:t>短短几行代码</a:t>
-            </a:r>
-            <a:r>
-              <a:rPr lang="en-US" altLang="zh-CN" dirty="0" smtClean="0"/>
-              <a:t>, </a:t>
-            </a:r>
-            <a:r>
-              <a:rPr lang="zh-CN" altLang="en-US" dirty="0" smtClean="0"/>
-              <a:t>它处理了事件绑定</a:t>
-            </a:r>
-            <a:r>
-              <a:rPr lang="en-US" altLang="zh-CN" dirty="0" smtClean="0"/>
-              <a:t>, </a:t>
-            </a:r>
-            <a:r>
-              <a:rPr lang="zh-CN" altLang="en-US" dirty="0" smtClean="0"/>
-              <a:t>获取数据</a:t>
-            </a:r>
-            <a:r>
-              <a:rPr lang="en-US" altLang="zh-CN" dirty="0" smtClean="0"/>
-              <a:t>, </a:t>
-            </a:r>
-            <a:r>
-              <a:rPr lang="zh-CN" altLang="en-US" dirty="0" smtClean="0"/>
-              <a:t>渲染页面这三大项工作</a:t>
-            </a:r>
-            <a:r>
-              <a:rPr lang="en-US" altLang="zh-CN" dirty="0" smtClean="0"/>
-              <a:t>.  </a:t>
-            </a:r>
-            <a:r>
-              <a:rPr lang="zh-CN" altLang="en-US" dirty="0" smtClean="0"/>
-              <a:t>可惜</a:t>
-            </a:r>
-            <a:r>
-              <a:rPr lang="en-US" altLang="zh-CN" dirty="0" smtClean="0"/>
-              <a:t>, </a:t>
-            </a:r>
-            <a:r>
-              <a:rPr lang="zh-CN" altLang="en-US" dirty="0" smtClean="0"/>
-              <a:t>这样的代码</a:t>
-            </a:r>
-            <a:r>
-              <a:rPr lang="en-US" altLang="zh-CN" dirty="0" smtClean="0"/>
-              <a:t>… </a:t>
-            </a:r>
-          </a:p>
-          <a:p>
-            <a:endParaRPr lang="en-US" altLang="zh-CN" baseline="0" dirty="0" smtClean="0"/>
-          </a:p>
-          <a:p>
-            <a:endParaRPr lang="en-US" altLang="zh-CN" baseline="0" dirty="0" smtClean="0"/>
-          </a:p>
-          <a:p>
-            <a:pPr marL="0" indent="0">
-              <a:buNone/>
-            </a:pPr>
-            <a:r>
-              <a:rPr lang="zh-CN" altLang="en-US" baseline="0" dirty="0" smtClean="0"/>
-              <a:t>简单的一段代码做了控制器</a:t>
-            </a:r>
-            <a:r>
-              <a:rPr lang="en-US" altLang="zh-CN" baseline="0" dirty="0" smtClean="0"/>
-              <a:t>, </a:t>
-            </a:r>
-            <a:r>
-              <a:rPr lang="zh-CN" altLang="en-US" baseline="0" dirty="0" smtClean="0"/>
-              <a:t>模型</a:t>
-            </a:r>
-            <a:r>
-              <a:rPr lang="en-US" altLang="zh-CN" baseline="0" dirty="0" smtClean="0"/>
-              <a:t>, </a:t>
-            </a:r>
-            <a:r>
-              <a:rPr lang="zh-CN" altLang="en-US" baseline="0" dirty="0" smtClean="0"/>
-              <a:t>视图三者的工作</a:t>
-            </a:r>
-            <a:endParaRPr lang="en-US" altLang="zh-CN" baseline="0" dirty="0" smtClean="0"/>
-          </a:p>
-          <a:p>
-            <a:pPr marL="228600" indent="-228600">
-              <a:buAutoNum type="arabicPeriod"/>
-            </a:pPr>
-            <a:endParaRPr lang="en-US" altLang="zh-CN" dirty="0" smtClean="0"/>
-          </a:p>
-          <a:p>
-            <a:pPr marL="0" marR="0" lvl="1" indent="0" algn="l" defTabSz="914400" rtl="0" eaLnBrk="1" fontAlgn="auto" latinLnBrk="0" hangingPunct="1">
-              <a:lnSpc>
-                <a:spcPct val="100000"/>
-              </a:lnSpc>
-              <a:spcBef>
-                <a:spcPts val="0"/>
-              </a:spcBef>
-              <a:spcAft>
-                <a:spcPts val="0"/>
-              </a:spcAft>
-              <a:buClrTx/>
-              <a:buSzTx/>
-              <a:buFontTx/>
-              <a:buNone/>
-              <a:tabLst/>
-              <a:defRPr/>
-            </a:pPr>
-            <a:r>
-              <a:rPr lang="zh-CN" altLang="en-US" dirty="0" smtClean="0"/>
-              <a:t>可能的问题</a:t>
-            </a:r>
-            <a:r>
-              <a:rPr lang="en-US" altLang="zh-CN" dirty="0" smtClean="0"/>
-              <a:t>: </a:t>
-            </a:r>
-            <a:r>
-              <a:rPr lang="zh-CN" altLang="en-US" dirty="0" smtClean="0"/>
-              <a:t>这样的面条代码</a:t>
-            </a:r>
-            <a:r>
-              <a:rPr lang="en-US" altLang="zh-CN" dirty="0" smtClean="0"/>
-              <a:t>, </a:t>
-            </a:r>
-            <a:r>
-              <a:rPr lang="zh-CN" altLang="en-US" dirty="0" smtClean="0"/>
-              <a:t>没法分开</a:t>
-            </a:r>
-            <a:r>
-              <a:rPr lang="en-US" altLang="zh-CN" dirty="0" smtClean="0"/>
-              <a:t>, </a:t>
-            </a:r>
-            <a:r>
-              <a:rPr lang="zh-CN" altLang="en-US" dirty="0" smtClean="0"/>
-              <a:t>难以复用</a:t>
-            </a:r>
-            <a:r>
-              <a:rPr lang="en-US" altLang="zh-CN" dirty="0" smtClean="0"/>
-              <a:t>, </a:t>
-            </a:r>
-            <a:r>
-              <a:rPr lang="zh-CN" altLang="en-US" dirty="0" smtClean="0"/>
-              <a:t>一般情况</a:t>
-            </a:r>
-            <a:r>
-              <a:rPr lang="en-US" altLang="zh-CN" dirty="0" smtClean="0"/>
-              <a:t>, success</a:t>
-            </a:r>
-            <a:r>
-              <a:rPr lang="zh-CN" altLang="en-US" dirty="0" smtClean="0"/>
-              <a:t>里面会很多东西</a:t>
-            </a:r>
-            <a:r>
-              <a:rPr lang="en-US" altLang="zh-CN" dirty="0" smtClean="0"/>
-              <a:t>, </a:t>
-            </a:r>
-            <a:r>
-              <a:rPr lang="zh-CN" altLang="en-US" dirty="0" smtClean="0"/>
-              <a:t>或者在里面还可能嵌套更多成同样的代码</a:t>
-            </a:r>
-            <a:r>
-              <a:rPr lang="en-US" altLang="zh-CN" dirty="0" smtClean="0"/>
-              <a:t>.</a:t>
-            </a:r>
-          </a:p>
-          <a:p>
-            <a:pPr marL="0" indent="0">
-              <a:buNone/>
-            </a:pPr>
             <a:endParaRPr lang="zh-CN" altLang="en-US" dirty="0"/>
           </a:p>
         </p:txBody>
@@ -1115,7 +941,7 @@
           <a:p>
             <a:fld id="{01F2A70B-78F2-4DCF-B53B-C990D2FAFB8A}" type="slidenum">
               <a:rPr lang="en-US" altLang="zh-CN" smtClean="0"/>
-              <a:t>18</a:t>
+              <a:t>6</a:t>
             </a:fld>
             <a:endParaRPr lang="en-US" altLang="zh-CN"/>
           </a:p>
@@ -1124,7 +950,7 @@
     </p:spTree>
     <p:extLst>
       <p:ext uri="{BB962C8B-B14F-4D97-AF65-F5344CB8AC3E}">
-        <p14:creationId xmlns:p14="http://schemas.microsoft.com/office/powerpoint/2010/main" val="1938480511"/>
+        <p14:creationId xmlns:p14="http://schemas.microsoft.com/office/powerpoint/2010/main" val="1917304957"/>
       </p:ext>
     </p:extLst>
   </p:cSld>
@@ -1180,84 +1006,178 @@
           <a:p>
             <a:r>
               <a:rPr lang="zh-CN" altLang="en-US" dirty="0" smtClean="0"/>
-              <a:t>（控制器</a:t>
+              <a:t>这是端很有技术含量的代码</a:t>
             </a:r>
             <a:r>
               <a:rPr lang="en-US" altLang="zh-CN" dirty="0" smtClean="0"/>
-              <a:t>Controller</a:t>
+              <a:t>, </a:t>
             </a:r>
             <a:r>
               <a:rPr lang="zh-CN" altLang="en-US" dirty="0" smtClean="0"/>
-              <a:t>）</a:t>
+              <a:t>短短几行代码</a:t>
             </a:r>
             <a:r>
               <a:rPr lang="en-US" altLang="zh-CN" dirty="0" smtClean="0"/>
-              <a:t>- </a:t>
+              <a:t>, </a:t>
             </a:r>
             <a:r>
               <a:rPr lang="zh-CN" altLang="en-US" dirty="0" smtClean="0"/>
-              <a:t>负责转发请求，对请求进行处理。</a:t>
-            </a:r>
-          </a:p>
-          <a:p>
+              <a:t>它处理了事件绑定</a:t>
+            </a:r>
+            <a:r>
+              <a:rPr lang="en-US" altLang="zh-CN" dirty="0" smtClean="0"/>
+              <a:t>, </a:t>
+            </a:r>
             <a:r>
               <a:rPr lang="zh-CN" altLang="en-US" dirty="0" smtClean="0"/>
-              <a:t>（视图</a:t>
+              <a:t>获取数据</a:t>
             </a:r>
             <a:r>
               <a:rPr lang="en-US" altLang="zh-CN" dirty="0" smtClean="0"/>
-              <a:t>View</a:t>
+              <a:t>, </a:t>
             </a:r>
             <a:r>
               <a:rPr lang="zh-CN" altLang="en-US" dirty="0" smtClean="0"/>
-              <a:t>） </a:t>
+              <a:t>渲染页面这三大项工作</a:t>
             </a:r>
             <a:r>
               <a:rPr lang="en-US" altLang="zh-CN" dirty="0" smtClean="0"/>
-              <a:t>- </a:t>
+              <a:t>.  </a:t>
             </a:r>
             <a:r>
               <a:rPr lang="zh-CN" altLang="en-US" dirty="0" smtClean="0"/>
-              <a:t>界面设计人员进行图形界面设计。</a:t>
-            </a:r>
-          </a:p>
-          <a:p>
+              <a:t>可惜</a:t>
+            </a:r>
+            <a:r>
+              <a:rPr lang="en-US" altLang="zh-CN" dirty="0" smtClean="0"/>
+              <a:t>, </a:t>
+            </a:r>
             <a:r>
               <a:rPr lang="zh-CN" altLang="en-US" dirty="0" smtClean="0"/>
-              <a:t>（模型</a:t>
+              <a:t>这样的代码</a:t>
             </a:r>
             <a:r>
               <a:rPr lang="en-US" altLang="zh-CN" dirty="0" smtClean="0"/>
-              <a:t>Model</a:t>
-            </a:r>
+              <a:t>… </a:t>
+            </a:r>
+          </a:p>
+          <a:p>
+            <a:endParaRPr lang="en-US" altLang="zh-CN" baseline="0" dirty="0" smtClean="0"/>
+          </a:p>
+          <a:p>
+            <a:endParaRPr lang="en-US" altLang="zh-CN" baseline="0" dirty="0" smtClean="0"/>
+          </a:p>
+          <a:p>
+            <a:pPr marL="0" indent="0">
+              <a:buNone/>
+            </a:pPr>
+            <a:r>
+              <a:rPr lang="zh-CN" altLang="en-US" baseline="0" dirty="0" smtClean="0"/>
+              <a:t>简单的一段代码做了控制器</a:t>
+            </a:r>
+            <a:r>
+              <a:rPr lang="en-US" altLang="zh-CN" baseline="0" dirty="0" smtClean="0"/>
+              <a:t>, </a:t>
+            </a:r>
+            <a:r>
+              <a:rPr lang="zh-CN" altLang="en-US" baseline="0" dirty="0" smtClean="0"/>
+              <a:t>模型</a:t>
+            </a:r>
+            <a:r>
+              <a:rPr lang="en-US" altLang="zh-CN" baseline="0" dirty="0" smtClean="0"/>
+              <a:t>, </a:t>
+            </a:r>
+            <a:r>
+              <a:rPr lang="zh-CN" altLang="en-US" baseline="0" dirty="0" smtClean="0"/>
+              <a:t>视图三者的工作</a:t>
+            </a:r>
+            <a:endParaRPr lang="en-US" altLang="zh-CN" baseline="0" dirty="0" smtClean="0"/>
+          </a:p>
+          <a:p>
+            <a:pPr marL="228600" indent="-228600">
+              <a:buAutoNum type="arabicPeriod"/>
+            </a:pPr>
+            <a:endParaRPr lang="en-US" altLang="zh-CN" dirty="0" smtClean="0"/>
+          </a:p>
+          <a:p>
+            <a:pPr marL="0" marR="0" lvl="1" indent="0" algn="l" defTabSz="914400" rtl="0" eaLnBrk="1" fontAlgn="auto" latinLnBrk="0" hangingPunct="1">
+              <a:lnSpc>
+                <a:spcPct val="100000"/>
+              </a:lnSpc>
+              <a:spcBef>
+                <a:spcPts val="0"/>
+              </a:spcBef>
+              <a:spcAft>
+                <a:spcPts val="0"/>
+              </a:spcAft>
+              <a:buClrTx/>
+              <a:buSzTx/>
+              <a:buFontTx/>
+              <a:buNone/>
+              <a:tabLst/>
+              <a:defRPr/>
+            </a:pPr>
             <a:r>
               <a:rPr lang="zh-CN" altLang="en-US" dirty="0" smtClean="0"/>
-              <a:t>） </a:t>
+              <a:t>可能的问题</a:t>
             </a:r>
             <a:r>
               <a:rPr lang="en-US" altLang="zh-CN" dirty="0" smtClean="0"/>
-              <a:t>- </a:t>
+              <a:t>: </a:t>
             </a:r>
             <a:r>
               <a:rPr lang="zh-CN" altLang="en-US" dirty="0" smtClean="0"/>
-              <a:t>程序员编写程序应有的功能（实现算法等等）、数据库专家进行数据管理和数据库设计</a:t>
+              <a:t>这样的面条代码</a:t>
             </a:r>
             <a:r>
               <a:rPr lang="en-US" altLang="zh-CN" dirty="0" smtClean="0"/>
-              <a:t>(</a:t>
+              <a:t>, </a:t>
             </a:r>
             <a:r>
               <a:rPr lang="zh-CN" altLang="en-US" dirty="0" smtClean="0"/>
-              <a:t>可以实现具体的功能</a:t>
+              <a:t>没法分开</a:t>
             </a:r>
             <a:r>
               <a:rPr lang="en-US" altLang="zh-CN" dirty="0" smtClean="0"/>
-              <a:t>)</a:t>
+              <a:t>, </a:t>
             </a:r>
             <a:r>
               <a:rPr lang="zh-CN" altLang="en-US" dirty="0" smtClean="0"/>
-              <a:t>。</a:t>
-            </a:r>
+              <a:t>难以复用</a:t>
+            </a:r>
+            <a:r>
+              <a:rPr lang="en-US" altLang="zh-CN" dirty="0" smtClean="0"/>
+              <a:t>, </a:t>
+            </a:r>
+            <a:r>
+              <a:rPr lang="zh-CN" altLang="en-US" dirty="0" smtClean="0"/>
+              <a:t>一般情况</a:t>
+            </a:r>
+            <a:r>
+              <a:rPr lang="en-US" altLang="zh-CN" dirty="0" smtClean="0"/>
+              <a:t>, success</a:t>
+            </a:r>
+            <a:r>
+              <a:rPr lang="zh-CN" altLang="en-US" dirty="0" smtClean="0"/>
+              <a:t>里面会很多东西</a:t>
+            </a:r>
+            <a:r>
+              <a:rPr lang="en-US" altLang="zh-CN" dirty="0" smtClean="0"/>
+              <a:t>, </a:t>
+            </a:r>
+            <a:r>
+              <a:rPr lang="zh-CN" altLang="en-US" dirty="0" smtClean="0"/>
+              <a:t>或者在里面还可能嵌套更多成同样的代码</a:t>
+            </a:r>
+            <a:r>
+              <a:rPr lang="en-US" altLang="zh-CN" dirty="0" smtClean="0"/>
+              <a:t>.</a:t>
+            </a:r>
+          </a:p>
+          <a:p>
+            <a:pPr marL="0" indent="0">
+              <a:buNone/>
+            </a:pPr>
             <a:endParaRPr lang="zh-CN" altLang="en-US" dirty="0"/>
           </a:p>
         </p:txBody>
@@ -1279,7 +1199,7 @@
           <a:p>
             <a:fld id="{01F2A70B-78F2-4DCF-B53B-C990D2FAFB8A}" type="slidenum">
               <a:rPr lang="en-US" altLang="zh-CN" smtClean="0"/>
-              <a:t>19</a:t>
+              <a:t>18</a:t>
             </a:fld>
             <a:endParaRPr lang="en-US" altLang="zh-CN"/>
           </a:p>
@@ -1288,7 +1208,7 @@
     </p:spTree>
     <p:extLst>
       <p:ext uri="{BB962C8B-B14F-4D97-AF65-F5344CB8AC3E}">
-        <p14:creationId xmlns:p14="http://schemas.microsoft.com/office/powerpoint/2010/main" val="3103698354"/>
+        <p14:creationId xmlns:p14="http://schemas.microsoft.com/office/powerpoint/2010/main" val="1938480511"/>
       </p:ext>
     </p:extLst>
   </p:cSld>
@@ -1342,6 +1262,86 @@
           <a:bodyPr/>
           <a:lstStyle/>
           <a:p>
+            <a:r>
+              <a:rPr lang="zh-CN" altLang="en-US" dirty="0" smtClean="0"/>
+              <a:t>（控制器</a:t>
+            </a:r>
+            <a:r>
+              <a:rPr lang="en-US" altLang="zh-CN" dirty="0" smtClean="0"/>
+              <a:t>Controller</a:t>
+            </a:r>
+            <a:r>
+              <a:rPr lang="zh-CN" altLang="en-US" dirty="0" smtClean="0"/>
+              <a:t>）</a:t>
+            </a:r>
+            <a:r>
+              <a:rPr lang="en-US" altLang="zh-CN" dirty="0" smtClean="0"/>
+              <a:t>- </a:t>
+            </a:r>
+            <a:r>
+              <a:rPr lang="zh-CN" altLang="en-US" dirty="0" smtClean="0"/>
+              <a:t>负责转发请求，对请求进行处理。</a:t>
+            </a:r>
+          </a:p>
+          <a:p>
+            <a:r>
+              <a:rPr lang="zh-CN" altLang="en-US" dirty="0" smtClean="0"/>
+              <a:t>（视图</a:t>
+            </a:r>
+            <a:r>
+              <a:rPr lang="en-US" altLang="zh-CN" dirty="0" smtClean="0"/>
+              <a:t>View</a:t>
+            </a:r>
+            <a:r>
+              <a:rPr lang="zh-CN" altLang="en-US" dirty="0" smtClean="0"/>
+              <a:t>） </a:t>
+            </a:r>
+            <a:r>
+              <a:rPr lang="en-US" altLang="zh-CN" dirty="0" smtClean="0"/>
+              <a:t>- </a:t>
+            </a:r>
+            <a:r>
+              <a:rPr lang="zh-CN" altLang="en-US" dirty="0" smtClean="0"/>
+              <a:t>界面设计人员进行图形界面设计。</a:t>
+            </a:r>
+          </a:p>
+          <a:p>
+            <a:r>
+              <a:rPr lang="zh-CN" altLang="en-US" dirty="0" smtClean="0"/>
+              <a:t>（模型</a:t>
+            </a:r>
+            <a:r>
+              <a:rPr lang="en-US" altLang="zh-CN" dirty="0" smtClean="0"/>
+              <a:t>Model</a:t>
+            </a:r>
+            <a:r>
+              <a:rPr lang="zh-CN" altLang="en-US" dirty="0" smtClean="0"/>
+              <a:t>） </a:t>
+            </a:r>
+            <a:r>
+              <a:rPr lang="en-US" altLang="zh-CN" dirty="0" smtClean="0"/>
+              <a:t>- </a:t>
+            </a:r>
+            <a:r>
+              <a:rPr lang="zh-CN" altLang="en-US" dirty="0" smtClean="0"/>
+              <a:t>程序员编写程序应有的功能（实现算法等等）、数据库专家进行数据管理和数据库设计</a:t>
+            </a:r>
+            <a:r>
+              <a:rPr lang="en-US" altLang="zh-CN" dirty="0" smtClean="0"/>
+              <a:t>(</a:t>
+            </a:r>
+            <a:r>
+              <a:rPr lang="zh-CN" altLang="en-US" dirty="0" smtClean="0"/>
+              <a:t>可以实现具体的功能</a:t>
+            </a:r>
+            <a:r>
+              <a:rPr lang="en-US" altLang="zh-CN" dirty="0" smtClean="0"/>
+              <a:t>)</a:t>
+            </a:r>
+            <a:r>
+              <a:rPr lang="zh-CN" altLang="en-US" dirty="0" smtClean="0"/>
+              <a:t>。</a:t>
+            </a:r>
             <a:endParaRPr lang="zh-CN" altLang="en-US" dirty="0"/>
           </a:p>
         </p:txBody>
@@ -1363,7 +1363,7 @@
           <a:p>
             <a:fld id="{01F2A70B-78F2-4DCF-B53B-C990D2FAFB8A}" type="slidenum">
               <a:rPr lang="en-US" altLang="zh-CN" smtClean="0"/>
-              <a:t>23</a:t>
+              <a:t>19</a:t>
             </a:fld>
             <a:endParaRPr lang="en-US" altLang="zh-CN"/>
           </a:p>
@@ -1372,7 +1372,7 @@
     </p:spTree>
     <p:extLst>
       <p:ext uri="{BB962C8B-B14F-4D97-AF65-F5344CB8AC3E}">
-        <p14:creationId xmlns:p14="http://schemas.microsoft.com/office/powerpoint/2010/main" val="2889518620"/>
+        <p14:creationId xmlns:p14="http://schemas.microsoft.com/office/powerpoint/2010/main" val="3103698354"/>
       </p:ext>
     </p:extLst>
   </p:cSld>
@@ -1447,6 +1447,90 @@
           <a:p>
             <a:fld id="{01F2A70B-78F2-4DCF-B53B-C990D2FAFB8A}" type="slidenum">
               <a:rPr lang="en-US" altLang="zh-CN" smtClean="0"/>
+              <a:t>23</a:t>
+            </a:fld>
+            <a:endParaRPr lang="en-US" altLang="zh-CN"/>
+          </a:p>
+        </p:txBody>
+      </p:sp>
+    </p:spTree>
+    <p:extLst>
+      <p:ext uri="{BB962C8B-B14F-4D97-AF65-F5344CB8AC3E}">
+        <p14:creationId xmlns:p14="http://schemas.microsoft.com/office/powerpoint/2010/main" val="2889518620"/>
+      </p:ext>
+    </p:extLst>
+  </p:cSld>
+  <p:clrMapOvr>
+    <a:masterClrMapping/>
+  </p:clrMapOvr>
+</p:notes>
+</file>
+
+<file path=ppt/notesSlides/notesSlide7.xml><?xml version="1.0" encoding="utf-8"?>
+<p:notes xmlns:a="http://schemas.openxmlformats.org/drawingml/2006/main" xmlns:r="http://schemas.openxmlformats.org/officeDocument/2006/relationships" xmlns:p="http://schemas.openxmlformats.org/presentationml/2006/main">
+  <p:cSld>
+    <p:spTree>
+      <p:nvGrpSpPr>
+        <p:cNvPr id="1" name=""/>
+        <p:cNvGrpSpPr/>
+        <p:nvPr/>
+      </p:nvGrpSpPr>
+      <p:grpSpPr>
+        <a:xfrm>
+          <a:off x="0" y="0"/>
+          <a:ext cx="0" cy="0"/>
+          <a:chOff x="0" y="0"/>
+          <a:chExt cx="0" cy="0"/>
+        </a:xfrm>
+      </p:grpSpPr>
+      <p:sp>
+        <p:nvSpPr>
+          <p:cNvPr id="2" name="Slide Image Placeholder 1"/>
+          <p:cNvSpPr>
+            <a:spLocks noGrp="1" noRot="1" noChangeAspect="1"/>
+          </p:cNvSpPr>
+          <p:nvPr>
+            <p:ph type="sldImg"/>
+          </p:nvPr>
+        </p:nvSpPr>
+        <p:spPr/>
+      </p:sp>
+      <p:sp>
+        <p:nvSpPr>
+          <p:cNvPr id="3" name="Notes Placeholder 2"/>
+          <p:cNvSpPr>
+            <a:spLocks noGrp="1"/>
+          </p:cNvSpPr>
+          <p:nvPr>
+            <p:ph type="body" idx="1"/>
+          </p:nvPr>
+        </p:nvSpPr>
+        <p:spPr/>
+        <p:txBody>
+          <a:bodyPr/>
+          <a:lstStyle/>
+          <a:p>
+            <a:endParaRPr lang="zh-CN" altLang="en-US" dirty="0"/>
+          </a:p>
+        </p:txBody>
+      </p:sp>
+      <p:sp>
+        <p:nvSpPr>
+          <p:cNvPr id="4" name="Slide Number Placeholder 3"/>
+          <p:cNvSpPr>
+            <a:spLocks noGrp="1"/>
+          </p:cNvSpPr>
+          <p:nvPr>
+            <p:ph type="sldNum" sz="quarter" idx="10"/>
+          </p:nvPr>
+        </p:nvSpPr>
+        <p:spPr/>
+        <p:txBody>
+          <a:bodyPr/>
+          <a:lstStyle/>
+          <a:p>
+            <a:fld id="{01F2A70B-78F2-4DCF-B53B-C990D2FAFB8A}" type="slidenum">
+              <a:rPr lang="en-US" altLang="zh-CN" smtClean="0"/>
               <a:t>25</a:t>
             </a:fld>
             <a:endParaRPr lang="en-US" altLang="zh-CN"/>
@@ -1466,7 +1550,7 @@
 </p:notes>
 </file>
 
-<file path=ppt/notesSlides/notesSlide7.xml><?xml version="1.0" encoding="utf-8"?>
+<file path=ppt/notesSlides/notesSlide8.xml><?xml version="1.0" encoding="utf-8"?>
 <p:notes xmlns:a="http://schemas.openxmlformats.org/drawingml/2006/main" xmlns:r="http://schemas.openxmlformats.org/officeDocument/2006/relationships" xmlns:p="http://schemas.openxmlformats.org/presentationml/2006/main">
   <p:cSld>
     <p:spTree>
@@ -12741,7 +12825,7 @@
           <a:bodyPr/>
           <a:lstStyle/>
           <a:p>
-            <a:endParaRPr lang="zh-CN" altLang="en-US"/>
+            <a:endParaRPr lang="zh-CN" altLang="en-US" dirty="0"/>
           </a:p>
         </p:txBody>
       </p:sp>
